--- a/doc/pics/2bus-system.pptx
+++ b/doc/pics/2bus-system.pptx
@@ -197,7 +197,7 @@
           <a:p>
             <a:fld id="{1463C0B5-F516-4899-B9E4-CC51EE6E327A}" type="datetimeFigureOut">
               <a:rPr lang="de-DE" smtClean="0"/>
-              <a:t>16.08.2016</a:t>
+              <a:t>26.10.2016</a:t>
             </a:fld>
             <a:endParaRPr lang="de-DE"/>
           </a:p>
@@ -843,7 +843,7 @@
           <a:p>
             <a:fld id="{E332D4AA-A8F1-4611-A06F-A456DC93DAA7}" type="datetimeFigureOut">
               <a:rPr lang="de-DE" smtClean="0"/>
-              <a:t>16.08.2016</a:t>
+              <a:t>26.10.2016</a:t>
             </a:fld>
             <a:endParaRPr lang="de-DE"/>
           </a:p>
@@ -1013,7 +1013,7 @@
           <a:p>
             <a:fld id="{E332D4AA-A8F1-4611-A06F-A456DC93DAA7}" type="datetimeFigureOut">
               <a:rPr lang="de-DE" smtClean="0"/>
-              <a:t>16.08.2016</a:t>
+              <a:t>26.10.2016</a:t>
             </a:fld>
             <a:endParaRPr lang="de-DE"/>
           </a:p>
@@ -1193,7 +1193,7 @@
           <a:p>
             <a:fld id="{E332D4AA-A8F1-4611-A06F-A456DC93DAA7}" type="datetimeFigureOut">
               <a:rPr lang="de-DE" smtClean="0"/>
-              <a:t>16.08.2016</a:t>
+              <a:t>26.10.2016</a:t>
             </a:fld>
             <a:endParaRPr lang="de-DE"/>
           </a:p>
@@ -1363,7 +1363,7 @@
           <a:p>
             <a:fld id="{E332D4AA-A8F1-4611-A06F-A456DC93DAA7}" type="datetimeFigureOut">
               <a:rPr lang="de-DE" smtClean="0"/>
-              <a:t>16.08.2016</a:t>
+              <a:t>26.10.2016</a:t>
             </a:fld>
             <a:endParaRPr lang="de-DE"/>
           </a:p>
@@ -1609,7 +1609,7 @@
           <a:p>
             <a:fld id="{E332D4AA-A8F1-4611-A06F-A456DC93DAA7}" type="datetimeFigureOut">
               <a:rPr lang="de-DE" smtClean="0"/>
-              <a:t>16.08.2016</a:t>
+              <a:t>26.10.2016</a:t>
             </a:fld>
             <a:endParaRPr lang="de-DE"/>
           </a:p>
@@ -1841,7 +1841,7 @@
           <a:p>
             <a:fld id="{E332D4AA-A8F1-4611-A06F-A456DC93DAA7}" type="datetimeFigureOut">
               <a:rPr lang="de-DE" smtClean="0"/>
-              <a:t>16.08.2016</a:t>
+              <a:t>26.10.2016</a:t>
             </a:fld>
             <a:endParaRPr lang="de-DE"/>
           </a:p>
@@ -2208,7 +2208,7 @@
           <a:p>
             <a:fld id="{E332D4AA-A8F1-4611-A06F-A456DC93DAA7}" type="datetimeFigureOut">
               <a:rPr lang="de-DE" smtClean="0"/>
-              <a:t>16.08.2016</a:t>
+              <a:t>26.10.2016</a:t>
             </a:fld>
             <a:endParaRPr lang="de-DE"/>
           </a:p>
@@ -2326,7 +2326,7 @@
           <a:p>
             <a:fld id="{E332D4AA-A8F1-4611-A06F-A456DC93DAA7}" type="datetimeFigureOut">
               <a:rPr lang="de-DE" smtClean="0"/>
-              <a:t>16.08.2016</a:t>
+              <a:t>26.10.2016</a:t>
             </a:fld>
             <a:endParaRPr lang="de-DE"/>
           </a:p>
@@ -2421,7 +2421,7 @@
           <a:p>
             <a:fld id="{E332D4AA-A8F1-4611-A06F-A456DC93DAA7}" type="datetimeFigureOut">
               <a:rPr lang="de-DE" smtClean="0"/>
-              <a:t>16.08.2016</a:t>
+              <a:t>26.10.2016</a:t>
             </a:fld>
             <a:endParaRPr lang="de-DE"/>
           </a:p>
@@ -2698,7 +2698,7 @@
           <a:p>
             <a:fld id="{E332D4AA-A8F1-4611-A06F-A456DC93DAA7}" type="datetimeFigureOut">
               <a:rPr lang="de-DE" smtClean="0"/>
-              <a:t>16.08.2016</a:t>
+              <a:t>26.10.2016</a:t>
             </a:fld>
             <a:endParaRPr lang="de-DE"/>
           </a:p>
@@ -2951,7 +2951,7 @@
           <a:p>
             <a:fld id="{E332D4AA-A8F1-4611-A06F-A456DC93DAA7}" type="datetimeFigureOut">
               <a:rPr lang="de-DE" smtClean="0"/>
-              <a:t>16.08.2016</a:t>
+              <a:t>26.10.2016</a:t>
             </a:fld>
             <a:endParaRPr lang="de-DE"/>
           </a:p>
@@ -3164,7 +3164,7 @@
           <a:p>
             <a:fld id="{E332D4AA-A8F1-4611-A06F-A456DC93DAA7}" type="datetimeFigureOut">
               <a:rPr lang="de-DE" smtClean="0"/>
-              <a:t>16.08.2016</a:t>
+              <a:t>26.10.2016</a:t>
             </a:fld>
             <a:endParaRPr lang="de-DE"/>
           </a:p>
@@ -3577,10 +3577,10 @@
         </p:nvGrpSpPr>
         <p:grpSpPr>
           <a:xfrm>
-            <a:off x="3091835" y="877441"/>
-            <a:ext cx="3266262" cy="3231373"/>
-            <a:chOff x="4341814" y="1383526"/>
-            <a:chExt cx="3266262" cy="3231373"/>
+            <a:off x="618502" y="15413"/>
+            <a:ext cx="5609494" cy="6475442"/>
+            <a:chOff x="4277851" y="1383526"/>
+            <a:chExt cx="2549175" cy="2942696"/>
           </a:xfrm>
         </p:grpSpPr>
         <p:grpSp>
@@ -3593,9 +3593,9 @@
           </p:nvGrpSpPr>
           <p:grpSpPr bwMode="auto">
             <a:xfrm>
-              <a:off x="5664200" y="3787781"/>
+              <a:off x="5666366" y="3787781"/>
               <a:ext cx="160338" cy="468312"/>
-              <a:chOff x="2642070" y="3006476"/>
+              <a:chOff x="2643364" y="3006476"/>
               <a:chExt cx="95822" cy="278508"/>
             </a:xfrm>
           </p:grpSpPr>
@@ -3607,13 +3607,13 @@
             </p:nvCxnSpPr>
             <p:spPr>
               <a:xfrm>
-                <a:off x="2695199" y="3006476"/>
+                <a:off x="2696493" y="3006476"/>
                 <a:ext cx="0" cy="144446"/>
               </a:xfrm>
               <a:prstGeom prst="line">
                 <a:avLst/>
               </a:prstGeom>
-              <a:ln w="22225">
+              <a:ln w="25400">
                 <a:solidFill>
                   <a:schemeClr val="tx1"/>
                 </a:solidFill>
@@ -3642,7 +3642,7 @@
             </p:nvCxnSpPr>
             <p:spPr>
               <a:xfrm flipH="1">
-                <a:off x="2642070" y="3152811"/>
+                <a:off x="2643364" y="3152811"/>
                 <a:ext cx="95822" cy="0"/>
               </a:xfrm>
               <a:prstGeom prst="line">
@@ -3677,7 +3677,7 @@
             </p:nvCxnSpPr>
             <p:spPr>
               <a:xfrm flipH="1" flipV="1">
-                <a:off x="2642070" y="3152811"/>
+                <a:off x="2643364" y="3152811"/>
                 <a:ext cx="48386" cy="132173"/>
               </a:xfrm>
               <a:prstGeom prst="line">
@@ -3712,7 +3712,7 @@
             </p:nvCxnSpPr>
             <p:spPr>
               <a:xfrm flipV="1">
-                <a:off x="2690456" y="3152811"/>
+                <a:off x="2691750" y="3152811"/>
                 <a:ext cx="47436" cy="132173"/>
               </a:xfrm>
               <a:prstGeom prst="line">
@@ -4314,7 +4314,7 @@
             <a:prstGeom prst="line">
               <a:avLst/>
             </a:prstGeom>
-            <a:ln w="25400">
+            <a:ln w="44450">
               <a:solidFill>
                 <a:schemeClr val="tx1"/>
               </a:solidFill>
@@ -4349,7 +4349,7 @@
             <a:prstGeom prst="line">
               <a:avLst/>
             </a:prstGeom>
-            <a:ln/>
+            <a:ln w="31750"/>
           </p:spPr>
           <p:style>
             <a:lnRef idx="3">
@@ -4380,7 +4380,7 @@
             <a:prstGeom prst="line">
               <a:avLst/>
             </a:prstGeom>
-            <a:ln w="25400">
+            <a:ln w="44450">
               <a:solidFill>
                 <a:schemeClr val="tx1"/>
               </a:solidFill>
@@ -4409,13 +4409,13 @@
           </p:nvCxnSpPr>
           <p:spPr bwMode="auto">
             <a:xfrm flipH="1">
-              <a:off x="5761038" y="1839913"/>
+              <a:off x="5763202" y="1839913"/>
               <a:ext cx="0" cy="217487"/>
             </a:xfrm>
             <a:prstGeom prst="line">
               <a:avLst/>
             </a:prstGeom>
-            <a:ln/>
+            <a:ln w="25400"/>
           </p:spPr>
           <p:style>
             <a:lnRef idx="3">
@@ -4432,8 +4432,8 @@
             </a:fontRef>
           </p:style>
         </p:cxnSp>
-        <mc:AlternateContent xmlns:mc="http://schemas.openxmlformats.org/markup-compatibility/2006">
-          <mc:Choice xmlns:a14="http://schemas.microsoft.com/office/drawing/2010/main" Requires="a14">
+        <mc:AlternateContent xmlns:mc="http://schemas.openxmlformats.org/markup-compatibility/2006" xmlns:a14="http://schemas.microsoft.com/office/drawing/2010/main">
+          <mc:Choice Requires="a14">
             <p:sp>
               <p:nvSpPr>
                 <p:cNvPr id="69" name="Textfeld 68"/>
@@ -4442,8 +4442,8 @@
               </p:nvSpPr>
               <p:spPr>
                 <a:xfrm>
-                  <a:off x="6030913" y="1765179"/>
-                  <a:ext cx="1577163" cy="2446824"/>
+                  <a:off x="6003071" y="1780565"/>
+                  <a:ext cx="823955" cy="2447652"/>
                 </a:xfrm>
                 <a:prstGeom prst="rect">
                   <a:avLst/>
@@ -4456,15 +4456,40 @@
                 </a:bodyPr>
                 <a:lstStyle/>
                 <a:p>
+                  <a:endParaRPr lang="de-DE" sz="2200" b="0" i="0" dirty="0" smtClean="0">
+                    <a:latin typeface="Cambria Math" panose="02040503050406030204" pitchFamily="18" charset="0"/>
+                  </a:endParaRPr>
+                </a:p>
+                <a:p>
+                  <a14:m>
+                    <m:oMath xmlns:m="http://schemas.openxmlformats.org/officeDocument/2006/math">
+                      <m:r>
+                        <a:rPr lang="de-DE" sz="2200" b="0" i="1" dirty="0" smtClean="0">
+                          <a:latin typeface="Cambria Math" panose="02040503050406030204" pitchFamily="18" charset="0"/>
+                        </a:rPr>
+                        <m:t>𝐵𝑢𝑠</m:t>
+                      </m:r>
+                      <m:r>
+                        <a:rPr lang="de-DE" sz="2200" b="0" i="1" dirty="0" smtClean="0">
+                          <a:latin typeface="Cambria Math" panose="02040503050406030204" pitchFamily="18" charset="0"/>
+                        </a:rPr>
+                        <m:t> 1</m:t>
+                      </m:r>
+                    </m:oMath>
+                  </a14:m>
                   <a:r>
-                    <a:rPr lang="de-DE" sz="1100" dirty="0" smtClean="0"/>
-                    <a:t>Bus 1:</a:t>
+                    <a:rPr lang="de-DE" sz="2200" i="1" dirty="0">
+                      <a:latin typeface="+mj-lt"/>
+                    </a:rPr>
+                    <a:t>:</a:t>
                   </a:r>
                 </a:p>
                 <a:p>
                   <a:pPr marL="180975" indent="-90488"/>
                   <a:r>
-                    <a:rPr lang="de-DE" sz="1100" dirty="0"/>
+                    <a:rPr lang="de-DE" sz="2200" dirty="0">
+                      <a:latin typeface="+mj-lt"/>
+                    </a:rPr>
                     <a:t>- </a:t>
                   </a:r>
                   <a14:m>
@@ -4472,7 +4497,7 @@
                       <m:sSub>
                         <m:sSubPr>
                           <m:ctrlPr>
-                            <a:rPr lang="de-DE" sz="1100" i="1">
+                            <a:rPr lang="de-DE" sz="2200" i="1">
                               <a:latin typeface="Cambria Math" panose="02040503050406030204" pitchFamily="18" charset="0"/>
                             </a:rPr>
                           </m:ctrlPr>
@@ -4482,7 +4507,7 @@
                             <m:rPr>
                               <m:sty m:val="p"/>
                             </m:rPr>
-                            <a:rPr lang="de-DE" sz="1100" b="0" i="0" smtClean="0">
+                            <a:rPr lang="de-DE" sz="2200">
                               <a:latin typeface="Cambria Math" panose="02040503050406030204" pitchFamily="18" charset="0"/>
                             </a:rPr>
                             <m:t>V</m:t>
@@ -4493,7 +4518,7 @@
                             <m:rPr>
                               <m:sty m:val="p"/>
                             </m:rPr>
-                            <a:rPr lang="de-DE" sz="1100" b="0" i="0" smtClean="0">
+                            <a:rPr lang="de-DE" sz="2200">
                               <a:latin typeface="Cambria Math" panose="02040503050406030204" pitchFamily="18" charset="0"/>
                             </a:rPr>
                             <m:t>N</m:t>
@@ -4501,7 +4526,7 @@
                         </m:sub>
                       </m:sSub>
                       <m:r>
-                        <a:rPr lang="de-DE" sz="1100">
+                        <a:rPr lang="de-DE" sz="2200">
                           <a:latin typeface="Cambria Math" panose="02040503050406030204" pitchFamily="18" charset="0"/>
                         </a:rPr>
                         <m:t>=400 </m:t>
@@ -4510,394 +4535,61 @@
                         <m:rPr>
                           <m:sty m:val="p"/>
                         </m:rPr>
-                        <a:rPr lang="de-DE" sz="1100">
+                        <a:rPr lang="de-DE" sz="2200">
                           <a:latin typeface="Cambria Math" panose="02040503050406030204" pitchFamily="18" charset="0"/>
                         </a:rPr>
                         <m:t>V</m:t>
                       </m:r>
                     </m:oMath>
                   </a14:m>
-                  <a:endParaRPr lang="de-DE" sz="1100" dirty="0"/>
-                </a:p>
-                <a:p>
-                  <a:endParaRPr lang="de-DE" sz="600" dirty="0"/>
-                </a:p>
-                <a:p>
-                  <a14:m>
-                    <m:oMath xmlns:m="http://schemas.openxmlformats.org/officeDocument/2006/math">
-                      <m:r>
-                        <m:rPr>
-                          <m:sty m:val="p"/>
-                        </m:rPr>
-                        <a:rPr lang="de-DE" sz="1100" dirty="0">
-                          <a:latin typeface="Cambria Math" panose="02040503050406030204" pitchFamily="18" charset="0"/>
-                        </a:rPr>
-                        <m:t>Line</m:t>
-                      </m:r>
-                    </m:oMath>
-                  </a14:m>
-                  <a:r>
-                    <a:rPr lang="de-DE" sz="1100" dirty="0">
-                      <a:latin typeface="Cambria Math" panose="02040503050406030204" pitchFamily="18" charset="0"/>
-                    </a:rPr>
-                    <a:t>:</a:t>
-                  </a:r>
-                </a:p>
-                <a:p>
-                  <a:pPr marL="171450" indent="-80963">
-                    <a:buFontTx/>
-                    <a:buChar char="-"/>
-                  </a:pPr>
-                  <a14:m>
-                    <m:oMath xmlns:m="http://schemas.openxmlformats.org/officeDocument/2006/math">
-                      <m:r>
-                        <m:rPr>
-                          <m:sty m:val="p"/>
-                        </m:rPr>
-                        <a:rPr lang="de-DE" sz="1100" dirty="0">
-                          <a:latin typeface="Cambria Math" panose="02040503050406030204" pitchFamily="18" charset="0"/>
-                        </a:rPr>
-                        <m:t>l</m:t>
-                      </m:r>
-                      <m:r>
-                        <a:rPr lang="de-DE" sz="1100" dirty="0">
-                          <a:latin typeface="Cambria Math" panose="02040503050406030204" pitchFamily="18" charset="0"/>
-                        </a:rPr>
-                        <m:t>=100 </m:t>
-                      </m:r>
-                      <m:r>
-                        <m:rPr>
-                          <m:sty m:val="p"/>
-                        </m:rPr>
-                        <a:rPr lang="de-DE" sz="1100" dirty="0">
-                          <a:latin typeface="Cambria Math" panose="02040503050406030204" pitchFamily="18" charset="0"/>
-                        </a:rPr>
-                        <m:t>m</m:t>
-                      </m:r>
-                    </m:oMath>
-                  </a14:m>
-                  <a:endParaRPr lang="de-DE" sz="1100" dirty="0">
-                    <a:latin typeface="Cambria Math" panose="02040503050406030204" pitchFamily="18" charset="0"/>
+                  <a:endParaRPr lang="de-DE" sz="2200" dirty="0">
+                    <a:latin typeface="+mj-lt"/>
                   </a:endParaRPr>
                 </a:p>
                 <a:p>
-                  <a:pPr marL="171450" indent="-80963">
-                    <a:buFontTx/>
-                    <a:buChar char="-"/>
-                  </a:pPr>
-                  <a14:m>
-                    <m:oMath xmlns:m="http://schemas.openxmlformats.org/officeDocument/2006/math">
-                      <m:r>
-                        <m:rPr>
-                          <m:sty m:val="p"/>
-                        </m:rPr>
-                        <a:rPr lang="de-DE" sz="1100" dirty="0">
-                          <a:latin typeface="Cambria Math" panose="02040503050406030204" pitchFamily="18" charset="0"/>
-                        </a:rPr>
-                        <m:t>type</m:t>
-                      </m:r>
-                      <m:r>
-                        <a:rPr lang="de-DE" sz="1100" dirty="0">
-                          <a:latin typeface="Cambria Math" panose="02040503050406030204" pitchFamily="18" charset="0"/>
-                        </a:rPr>
-                        <m:t>: </m:t>
-                      </m:r>
-                      <m:r>
-                        <m:rPr>
-                          <m:sty m:val="p"/>
-                        </m:rPr>
-                        <a:rPr lang="de-DE" sz="1100" dirty="0">
-                          <a:latin typeface="Cambria Math" panose="02040503050406030204" pitchFamily="18" charset="0"/>
-                        </a:rPr>
-                        <m:t>NAYY</m:t>
-                      </m:r>
-                      <m:r>
-                        <a:rPr lang="de-DE" sz="1100" dirty="0">
-                          <a:latin typeface="Cambria Math" panose="02040503050406030204" pitchFamily="18" charset="0"/>
-                        </a:rPr>
-                        <m:t> 4</m:t>
-                      </m:r>
-                      <m:r>
-                        <m:rPr>
-                          <m:sty m:val="p"/>
-                        </m:rPr>
-                        <a:rPr lang="de-DE" sz="1100" dirty="0">
-                          <a:latin typeface="Cambria Math" panose="02040503050406030204" pitchFamily="18" charset="0"/>
-                        </a:rPr>
-                        <m:t>x</m:t>
-                      </m:r>
-                      <m:r>
-                        <a:rPr lang="de-DE" sz="1100" dirty="0">
-                          <a:latin typeface="Cambria Math" panose="02040503050406030204" pitchFamily="18" charset="0"/>
-                        </a:rPr>
-                        <m:t>50 </m:t>
-                      </m:r>
-                      <m:r>
-                        <m:rPr>
-                          <m:sty m:val="p"/>
-                        </m:rPr>
-                        <a:rPr lang="de-DE" sz="1100" dirty="0">
-                          <a:latin typeface="Cambria Math" panose="02040503050406030204" pitchFamily="18" charset="0"/>
-                        </a:rPr>
-                        <m:t>SE</m:t>
-                      </m:r>
-                    </m:oMath>
-                  </a14:m>
-                  <a:endParaRPr lang="de-DE" sz="1100" dirty="0"/>
+                  <a:endParaRPr lang="de-DE" sz="2200" dirty="0" smtClean="0">
+                    <a:latin typeface="+mj-lt"/>
+                  </a:endParaRPr>
                 </a:p>
                 <a:p>
-                  <a:pPr marL="357188" indent="-90488">
-                    <a:buFontTx/>
-                    <a:buChar char="-"/>
-                  </a:pPr>
-                  <a14:m>
-                    <m:oMath xmlns:m="http://schemas.openxmlformats.org/officeDocument/2006/math">
-                      <m:sSup>
-                        <m:sSupPr>
-                          <m:ctrlPr>
-                            <a:rPr lang="de-DE" sz="1100" i="1">
-                              <a:latin typeface="Cambria Math" panose="02040503050406030204" pitchFamily="18" charset="0"/>
-                            </a:rPr>
-                          </m:ctrlPr>
-                        </m:sSupPr>
-                        <m:e>
-                          <m:r>
-                            <m:rPr>
-                              <m:sty m:val="p"/>
-                            </m:rPr>
-                            <a:rPr lang="de-DE" sz="1100">
-                              <a:latin typeface="Cambria Math" panose="02040503050406030204" pitchFamily="18" charset="0"/>
-                            </a:rPr>
-                            <m:t>r</m:t>
-                          </m:r>
-                        </m:e>
-                        <m:sup>
-                          <m:r>
-                            <a:rPr lang="de-DE" sz="1100">
-                              <a:latin typeface="Cambria Math" panose="02040503050406030204" pitchFamily="18" charset="0"/>
-                            </a:rPr>
-                            <m:t>′</m:t>
-                          </m:r>
-                        </m:sup>
-                      </m:sSup>
-                      <m:r>
-                        <a:rPr lang="de-DE" sz="1100">
-                          <a:latin typeface="Cambria Math" panose="02040503050406030204" pitchFamily="18" charset="0"/>
-                        </a:rPr>
-                        <m:t>=0.642 </m:t>
-                      </m:r>
-                      <m:r>
-                        <m:rPr>
-                          <m:sty m:val="p"/>
-                        </m:rPr>
-                        <a:rPr lang="el-GR" sz="1100">
-                          <a:latin typeface="Cambria Math" panose="02040503050406030204" pitchFamily="18" charset="0"/>
-                          <a:ea typeface="Cambria Math" panose="02040503050406030204" pitchFamily="18" charset="0"/>
-                        </a:rPr>
-                        <m:t>Ω</m:t>
-                      </m:r>
-                      <m:r>
-                        <a:rPr lang="de-DE" sz="1100">
-                          <a:latin typeface="Cambria Math" panose="02040503050406030204" pitchFamily="18" charset="0"/>
-                          <a:ea typeface="Cambria Math" panose="02040503050406030204" pitchFamily="18" charset="0"/>
-                        </a:rPr>
-                        <m:t>/</m:t>
-                      </m:r>
-                      <m:r>
-                        <m:rPr>
-                          <m:sty m:val="p"/>
-                        </m:rPr>
-                        <a:rPr lang="de-DE" sz="1100">
-                          <a:latin typeface="Cambria Math" panose="02040503050406030204" pitchFamily="18" charset="0"/>
-                          <a:ea typeface="Cambria Math" panose="02040503050406030204" pitchFamily="18" charset="0"/>
-                        </a:rPr>
-                        <m:t>km</m:t>
-                      </m:r>
-                    </m:oMath>
-                  </a14:m>
-                  <a:endParaRPr lang="de-DE" sz="1100" dirty="0"/>
+                  <a:endParaRPr lang="de-DE" sz="2200" dirty="0">
+                    <a:latin typeface="+mj-lt"/>
+                  </a:endParaRPr>
                 </a:p>
                 <a:p>
-                  <a:pPr marL="357188" indent="-90488">
-                    <a:buFontTx/>
-                    <a:buChar char="-"/>
-                  </a:pPr>
-                  <a14:m>
-                    <m:oMath xmlns:m="http://schemas.openxmlformats.org/officeDocument/2006/math">
-                      <m:r>
-                        <m:rPr>
-                          <m:sty m:val="p"/>
-                        </m:rPr>
-                        <a:rPr lang="de-DE" sz="1100">
-                          <a:latin typeface="Cambria Math" panose="02040503050406030204" pitchFamily="18" charset="0"/>
-                        </a:rPr>
-                        <m:t>x</m:t>
-                      </m:r>
-                      <m:r>
-                        <a:rPr lang="de-DE" sz="1100">
-                          <a:latin typeface="Cambria Math" panose="02040503050406030204" pitchFamily="18" charset="0"/>
-                        </a:rPr>
-                        <m:t>′=0.083 </m:t>
-                      </m:r>
-                      <m:r>
-                        <m:rPr>
-                          <m:sty m:val="p"/>
-                        </m:rPr>
-                        <a:rPr lang="el-GR" sz="1100">
-                          <a:latin typeface="Cambria Math" panose="02040503050406030204" pitchFamily="18" charset="0"/>
-                          <a:ea typeface="Cambria Math" panose="02040503050406030204" pitchFamily="18" charset="0"/>
-                        </a:rPr>
-                        <m:t>Ω</m:t>
-                      </m:r>
-                      <m:r>
-                        <a:rPr lang="de-DE" sz="1100">
-                          <a:latin typeface="Cambria Math" panose="02040503050406030204" pitchFamily="18" charset="0"/>
-                          <a:ea typeface="Cambria Math" panose="02040503050406030204" pitchFamily="18" charset="0"/>
-                        </a:rPr>
-                        <m:t>/</m:t>
-                      </m:r>
-                      <m:r>
-                        <m:rPr>
-                          <m:sty m:val="p"/>
-                        </m:rPr>
-                        <a:rPr lang="de-DE" sz="1100">
-                          <a:latin typeface="Cambria Math" panose="02040503050406030204" pitchFamily="18" charset="0"/>
-                          <a:ea typeface="Cambria Math" panose="02040503050406030204" pitchFamily="18" charset="0"/>
-                        </a:rPr>
-                        <m:t>km</m:t>
-                      </m:r>
-                    </m:oMath>
-                  </a14:m>
-                  <a:endParaRPr lang="de-DE" sz="1100" dirty="0"/>
+                  <a:endParaRPr lang="de-DE" sz="2200" dirty="0" smtClean="0">
+                    <a:latin typeface="+mj-lt"/>
+                  </a:endParaRPr>
                 </a:p>
                 <a:p>
-                  <a:pPr marL="357188" indent="-90488">
-                    <a:buFontTx/>
-                    <a:buChar char="-"/>
-                  </a:pPr>
-                  <a14:m>
-                    <m:oMath xmlns:m="http://schemas.openxmlformats.org/officeDocument/2006/math">
-                      <m:sSup>
-                        <m:sSupPr>
-                          <m:ctrlPr>
-                            <a:rPr lang="de-DE" sz="1100" i="1">
-                              <a:latin typeface="Cambria Math" panose="02040503050406030204" pitchFamily="18" charset="0"/>
-                            </a:rPr>
-                          </m:ctrlPr>
-                        </m:sSupPr>
-                        <m:e>
-                          <m:r>
-                            <m:rPr>
-                              <m:sty m:val="p"/>
-                            </m:rPr>
-                            <a:rPr lang="de-DE" sz="1100">
-                              <a:latin typeface="Cambria Math" panose="02040503050406030204" pitchFamily="18" charset="0"/>
-                            </a:rPr>
-                            <m:t>c</m:t>
-                          </m:r>
-                        </m:e>
-                        <m:sup>
-                          <m:r>
-                            <a:rPr lang="de-DE" sz="1100">
-                              <a:latin typeface="Cambria Math" panose="02040503050406030204" pitchFamily="18" charset="0"/>
-                            </a:rPr>
-                            <m:t>′</m:t>
-                          </m:r>
-                        </m:sup>
-                      </m:sSup>
-                      <m:r>
-                        <a:rPr lang="de-DE" sz="1100">
-                          <a:latin typeface="Cambria Math" panose="02040503050406030204" pitchFamily="18" charset="0"/>
-                        </a:rPr>
-                        <m:t>=210 </m:t>
-                      </m:r>
-                      <m:r>
-                        <m:rPr>
-                          <m:sty m:val="p"/>
-                        </m:rPr>
-                        <a:rPr lang="de-DE" sz="1100">
-                          <a:latin typeface="Cambria Math" panose="02040503050406030204" pitchFamily="18" charset="0"/>
-                        </a:rPr>
-                        <m:t>nF</m:t>
-                      </m:r>
-                      <m:r>
-                        <a:rPr lang="de-DE" sz="1100">
-                          <a:latin typeface="Cambria Math" panose="02040503050406030204" pitchFamily="18" charset="0"/>
-                        </a:rPr>
-                        <m:t>/</m:t>
-                      </m:r>
-                      <m:r>
-                        <m:rPr>
-                          <m:sty m:val="p"/>
-                        </m:rPr>
-                        <a:rPr lang="de-DE" sz="1100">
-                          <a:latin typeface="Cambria Math" panose="02040503050406030204" pitchFamily="18" charset="0"/>
-                        </a:rPr>
-                        <m:t>km</m:t>
-                      </m:r>
-                    </m:oMath>
-                  </a14:m>
-                  <a:endParaRPr lang="de-DE" sz="1100" dirty="0"/>
+                  <a:endParaRPr lang="de-DE" sz="2200" dirty="0">
+                    <a:latin typeface="+mj-lt"/>
+                  </a:endParaRPr>
                 </a:p>
                 <a:p>
-                  <a:pPr marL="357188" indent="-90488">
-                    <a:buFontTx/>
-                    <a:buChar char="-"/>
-                  </a:pPr>
-                  <a14:m>
-                    <m:oMath xmlns:m="http://schemas.openxmlformats.org/officeDocument/2006/math">
-                      <m:sSub>
-                        <m:sSubPr>
-                          <m:ctrlPr>
-                            <a:rPr lang="de-DE" sz="1100" i="1">
-                              <a:latin typeface="Cambria Math" panose="02040503050406030204" pitchFamily="18" charset="0"/>
-                            </a:rPr>
-                          </m:ctrlPr>
-                        </m:sSubPr>
-                        <m:e>
-                          <m:r>
-                            <m:rPr>
-                              <m:sty m:val="p"/>
-                            </m:rPr>
-                            <a:rPr lang="de-DE" sz="1100">
-                              <a:latin typeface="Cambria Math" panose="02040503050406030204" pitchFamily="18" charset="0"/>
-                            </a:rPr>
-                            <m:t>i</m:t>
-                          </m:r>
-                        </m:e>
-                        <m:sub>
-                          <m:r>
-                            <m:rPr>
-                              <m:sty m:val="p"/>
-                            </m:rPr>
-                            <a:rPr lang="de-DE" sz="1100">
-                              <a:latin typeface="Cambria Math" panose="02040503050406030204" pitchFamily="18" charset="0"/>
-                            </a:rPr>
-                            <m:t>max</m:t>
-                          </m:r>
-                        </m:sub>
-                      </m:sSub>
-                      <m:r>
-                        <a:rPr lang="de-DE" sz="1100">
-                          <a:latin typeface="Cambria Math" panose="02040503050406030204" pitchFamily="18" charset="0"/>
-                        </a:rPr>
-                        <m:t>=142 </m:t>
-                      </m:r>
-                      <m:r>
-                        <m:rPr>
-                          <m:sty m:val="p"/>
-                        </m:rPr>
-                        <a:rPr lang="de-DE" sz="1100">
-                          <a:latin typeface="Cambria Math" panose="02040503050406030204" pitchFamily="18" charset="0"/>
-                        </a:rPr>
-                        <m:t>A</m:t>
-                      </m:r>
-                    </m:oMath>
-                  </a14:m>
-                  <a:endParaRPr lang="de-DE" sz="1100" dirty="0"/>
+                  <a:endParaRPr lang="de-DE" sz="2200" dirty="0" smtClean="0">
+                    <a:latin typeface="+mj-lt"/>
+                  </a:endParaRPr>
                 </a:p>
                 <a:p>
-                  <a:endParaRPr lang="de-DE" sz="600" dirty="0"/>
+                  <a:endParaRPr lang="de-DE" sz="2200" dirty="0">
+                    <a:latin typeface="+mj-lt"/>
+                  </a:endParaRPr>
+                </a:p>
+                <a:p>
+                  <a:endParaRPr lang="de-DE" sz="2200" dirty="0">
+                    <a:latin typeface="+mj-lt"/>
+                  </a:endParaRPr>
+                </a:p>
+                <a:p>
+                  <a:endParaRPr lang="de-DE" sz="2200" dirty="0" smtClean="0">
+                    <a:latin typeface="+mj-lt"/>
+                  </a:endParaRPr>
+                </a:p>
+                <a:p>
+                  <a:endParaRPr lang="de-DE" sz="3600" dirty="0">
+                    <a:latin typeface="+mj-lt"/>
+                  </a:endParaRPr>
                 </a:p>
                 <a:p>
                   <a:pPr/>
@@ -4908,29 +4600,30 @@
                       </m:oMathParaPr>
                       <m:oMath xmlns:m="http://schemas.openxmlformats.org/officeDocument/2006/math">
                         <m:r>
-                          <m:rPr>
-                            <m:sty m:val="p"/>
-                          </m:rPr>
-                          <a:rPr lang="de-DE" sz="1200" dirty="0">
+                          <a:rPr lang="de-DE" sz="2200" i="1" dirty="0">
                             <a:latin typeface="Cambria Math" panose="02040503050406030204" pitchFamily="18" charset="0"/>
                           </a:rPr>
-                          <m:t>Bus</m:t>
+                          <m:t>𝐵𝑢𝑠</m:t>
                         </m:r>
                         <m:r>
-                          <a:rPr lang="de-DE" sz="1200" dirty="0">
+                          <a:rPr lang="de-DE" sz="2200" i="1" dirty="0">
                             <a:latin typeface="Cambria Math" panose="02040503050406030204" pitchFamily="18" charset="0"/>
                           </a:rPr>
-                          <m:t> 2</m:t>
+                          <m:t> 2:</m:t>
                         </m:r>
                       </m:oMath>
                     </m:oMathPara>
                   </a14:m>
-                  <a:endParaRPr lang="de-DE" sz="1200" dirty="0"/>
+                  <a:endParaRPr lang="de-DE" sz="2200" i="1" dirty="0">
+                    <a:latin typeface="+mj-lt"/>
+                  </a:endParaRPr>
                 </a:p>
                 <a:p>
                   <a:pPr marL="180975" indent="-90488"/>
                   <a:r>
-                    <a:rPr lang="de-DE" sz="1200" dirty="0"/>
+                    <a:rPr lang="de-DE" sz="2200" dirty="0">
+                      <a:latin typeface="+mj-lt"/>
+                    </a:rPr>
                     <a:t>- </a:t>
                   </a:r>
                   <a14:m>
@@ -4938,7 +4631,7 @@
                       <m:sSub>
                         <m:sSubPr>
                           <m:ctrlPr>
-                            <a:rPr lang="de-DE" sz="1200" i="1">
+                            <a:rPr lang="de-DE" sz="2200" i="1">
                               <a:latin typeface="Cambria Math" panose="02040503050406030204" pitchFamily="18" charset="0"/>
                             </a:rPr>
                           </m:ctrlPr>
@@ -4948,7 +4641,7 @@
                             <m:rPr>
                               <m:sty m:val="p"/>
                             </m:rPr>
-                            <a:rPr lang="de-DE" sz="1200" b="0" i="0" smtClean="0">
+                            <a:rPr lang="de-DE" sz="2200" b="0" i="0" smtClean="0">
                               <a:latin typeface="Cambria Math" panose="02040503050406030204" pitchFamily="18" charset="0"/>
                             </a:rPr>
                             <m:t>V</m:t>
@@ -4959,7 +4652,7 @@
                             <m:rPr>
                               <m:sty m:val="p"/>
                             </m:rPr>
-                            <a:rPr lang="de-DE" sz="1200" b="0" i="0" smtClean="0">
+                            <a:rPr lang="de-DE" sz="2200" b="0" i="0" smtClean="0">
                               <a:latin typeface="Cambria Math" panose="02040503050406030204" pitchFamily="18" charset="0"/>
                             </a:rPr>
                             <m:t>N</m:t>
@@ -4967,7 +4660,7 @@
                         </m:sub>
                       </m:sSub>
                       <m:r>
-                        <a:rPr lang="de-DE" sz="1200">
+                        <a:rPr lang="de-DE" sz="2200">
                           <a:latin typeface="Cambria Math" panose="02040503050406030204" pitchFamily="18" charset="0"/>
                         </a:rPr>
                         <m:t>=400 </m:t>
@@ -4976,22 +4669,26 @@
                         <m:rPr>
                           <m:sty m:val="p"/>
                         </m:rPr>
-                        <a:rPr lang="de-DE" sz="1200">
+                        <a:rPr lang="de-DE" sz="2200">
                           <a:latin typeface="Cambria Math" panose="02040503050406030204" pitchFamily="18" charset="0"/>
                         </a:rPr>
                         <m:t>V</m:t>
                       </m:r>
                     </m:oMath>
                   </a14:m>
-                  <a:endParaRPr lang="de-DE" sz="1200" dirty="0"/>
+                  <a:endParaRPr lang="de-DE" sz="2200" dirty="0">
+                    <a:latin typeface="+mj-lt"/>
+                  </a:endParaRPr>
                 </a:p>
                 <a:p>
-                  <a:endParaRPr lang="de-DE" sz="1200" dirty="0"/>
+                  <a:endParaRPr lang="de-DE" sz="2200" dirty="0">
+                    <a:latin typeface="+mj-lt"/>
+                  </a:endParaRPr>
                 </a:p>
               </p:txBody>
             </p:sp>
           </mc:Choice>
-          <mc:Fallback>
+          <mc:Fallback xmlns="">
             <p:sp>
               <p:nvSpPr>
                 <p:cNvPr id="69" name="Textfeld 68"/>
@@ -5002,8 +4699,8 @@
               </p:nvSpPr>
               <p:spPr>
                 <a:xfrm>
-                  <a:off x="6030913" y="1765179"/>
-                  <a:ext cx="1577163" cy="2446824"/>
+                  <a:off x="6003071" y="1780565"/>
+                  <a:ext cx="823955" cy="2447652"/>
                 </a:xfrm>
                 <a:prstGeom prst="rect">
                   <a:avLst/>
@@ -5011,7 +4708,7 @@
                 <a:blipFill rotWithShape="0">
                   <a:blip r:embed="rId3"/>
                   <a:stretch>
-                    <a:fillRect t="-249"/>
+                    <a:fillRect l="-336"/>
                   </a:stretch>
                 </a:blipFill>
               </p:spPr>
@@ -5040,8 +4737,8 @@
               </p:nvSpPr>
               <p:spPr>
                 <a:xfrm>
-                  <a:off x="6018214" y="4014735"/>
-                  <a:ext cx="1290637" cy="600164"/>
+                  <a:off x="4494214" y="3822705"/>
+                  <a:ext cx="1290637" cy="503517"/>
                 </a:xfrm>
                 <a:prstGeom prst="rect">
                   <a:avLst/>
@@ -5061,16 +4758,13 @@
                       </m:oMathParaPr>
                       <m:oMath xmlns:m="http://schemas.openxmlformats.org/officeDocument/2006/math">
                         <m:r>
-                          <m:rPr>
-                            <m:sty m:val="p"/>
-                          </m:rPr>
-                          <a:rPr lang="de-DE" sz="1100" dirty="0" smtClean="0">
+                          <a:rPr lang="de-DE" sz="2200" i="1" dirty="0" smtClean="0">
                             <a:latin typeface="Cambria Math" panose="02040503050406030204" pitchFamily="18" charset="0"/>
                           </a:rPr>
-                          <m:t>Load</m:t>
+                          <m:t>𝐿𝑜𝑎𝑑</m:t>
                         </m:r>
                         <m:r>
-                          <a:rPr lang="de-DE" sz="1100" dirty="0" smtClean="0">
+                          <a:rPr lang="de-DE" sz="2200" i="1" dirty="0" smtClean="0">
                             <a:latin typeface="Cambria Math" panose="02040503050406030204" pitchFamily="18" charset="0"/>
                           </a:rPr>
                           <m:t>:</m:t>
@@ -5078,7 +4772,9 @@
                       </m:oMath>
                     </m:oMathPara>
                   </a14:m>
-                  <a:endParaRPr lang="de-DE" sz="1100" dirty="0"/>
+                  <a:endParaRPr lang="de-DE" sz="2200" i="1" dirty="0">
+                    <a:latin typeface="+mj-lt"/>
+                  </a:endParaRPr>
                 </a:p>
                 <a:p>
                   <a:pPr marL="171450" indent="-80963">
@@ -5091,13 +4787,13 @@
                         <m:rPr>
                           <m:sty m:val="p"/>
                         </m:rPr>
-                        <a:rPr lang="de-DE" sz="1100" dirty="0">
+                        <a:rPr lang="de-DE" sz="2200" dirty="0">
                           <a:latin typeface="Cambria Math" panose="02040503050406030204" pitchFamily="18" charset="0"/>
                         </a:rPr>
                         <m:t>P</m:t>
                       </m:r>
                       <m:r>
-                        <a:rPr lang="de-DE" sz="1100" dirty="0">
+                        <a:rPr lang="de-DE" sz="2200" dirty="0">
                           <a:latin typeface="Cambria Math" panose="02040503050406030204" pitchFamily="18" charset="0"/>
                         </a:rPr>
                         <m:t>=100 </m:t>
@@ -5106,14 +4802,16 @@
                         <m:rPr>
                           <m:sty m:val="p"/>
                         </m:rPr>
-                        <a:rPr lang="de-DE" sz="1100" dirty="0">
+                        <a:rPr lang="de-DE" sz="2200" dirty="0">
                           <a:latin typeface="Cambria Math" panose="02040503050406030204" pitchFamily="18" charset="0"/>
                         </a:rPr>
                         <m:t>kW</m:t>
                       </m:r>
                     </m:oMath>
                   </a14:m>
-                  <a:endParaRPr lang="de-DE" sz="1100" dirty="0"/>
+                  <a:endParaRPr lang="de-DE" sz="2200" dirty="0">
+                    <a:latin typeface="+mj-lt"/>
+                  </a:endParaRPr>
                 </a:p>
                 <a:p>
                   <a:pPr marL="171450" indent="-80963">
@@ -5126,13 +4824,13 @@
                         <m:rPr>
                           <m:sty m:val="p"/>
                         </m:rPr>
-                        <a:rPr lang="de-DE" sz="1100" dirty="0">
+                        <a:rPr lang="de-DE" sz="2200" dirty="0">
                           <a:latin typeface="Cambria Math" panose="02040503050406030204" pitchFamily="18" charset="0"/>
                         </a:rPr>
                         <m:t>Q</m:t>
                       </m:r>
                       <m:r>
-                        <a:rPr lang="de-DE" sz="1100" dirty="0">
+                        <a:rPr lang="de-DE" sz="2200" dirty="0">
                           <a:latin typeface="Cambria Math" panose="02040503050406030204" pitchFamily="18" charset="0"/>
                         </a:rPr>
                         <m:t>=50 </m:t>
@@ -5141,7 +4839,7 @@
                         <m:rPr>
                           <m:sty m:val="p"/>
                         </m:rPr>
-                        <a:rPr lang="de-DE" sz="1100" dirty="0" err="1">
+                        <a:rPr lang="de-DE" sz="2200" dirty="0" err="1">
                           <a:latin typeface="Cambria Math" panose="02040503050406030204" pitchFamily="18" charset="0"/>
                         </a:rPr>
                         <m:t>k</m:t>
@@ -5150,23 +4848,25 @@
                         <m:rPr>
                           <m:sty m:val="p"/>
                         </m:rPr>
-                        <a:rPr lang="de-DE" sz="1100" dirty="0">
+                        <a:rPr lang="de-DE" sz="2200" b="0" i="0" dirty="0" smtClean="0">
                           <a:latin typeface="Cambria Math" panose="02040503050406030204" pitchFamily="18" charset="0"/>
                         </a:rPr>
-                        <m:t>v</m:t>
+                        <m:t>V</m:t>
                       </m:r>
                       <m:r>
                         <m:rPr>
                           <m:sty m:val="p"/>
                         </m:rPr>
-                        <a:rPr lang="de-DE" sz="1100" dirty="0" err="1">
+                        <a:rPr lang="de-DE" sz="2200" dirty="0" err="1">
                           <a:latin typeface="Cambria Math" panose="02040503050406030204" pitchFamily="18" charset="0"/>
                         </a:rPr>
                         <m:t>ar</m:t>
                       </m:r>
                     </m:oMath>
                   </a14:m>
-                  <a:endParaRPr lang="de-DE" sz="1100" dirty="0"/>
+                  <a:endParaRPr lang="de-DE" sz="2200" dirty="0">
+                    <a:latin typeface="+mj-lt"/>
+                  </a:endParaRPr>
                 </a:p>
               </p:txBody>
             </p:sp>
@@ -5182,8 +4882,8 @@
               </p:nvSpPr>
               <p:spPr>
                 <a:xfrm>
-                  <a:off x="6018214" y="4014735"/>
-                  <a:ext cx="1290637" cy="600164"/>
+                  <a:off x="4494214" y="3822705"/>
+                  <a:ext cx="1290637" cy="503517"/>
                 </a:xfrm>
                 <a:prstGeom prst="rect">
                   <a:avLst/>
@@ -5191,7 +4891,7 @@
                 <a:blipFill rotWithShape="0">
                   <a:blip r:embed="rId4"/>
                   <a:stretch>
-                    <a:fillRect b="-5102"/>
+                    <a:fillRect l="-430" b="-10440"/>
                   </a:stretch>
                 </a:blipFill>
               </p:spPr>
@@ -5210,8 +4910,8 @@
             </p:sp>
           </mc:Fallback>
         </mc:AlternateContent>
-        <mc:AlternateContent xmlns:mc="http://schemas.openxmlformats.org/markup-compatibility/2006">
-          <mc:Choice xmlns:a14="http://schemas.microsoft.com/office/drawing/2010/main" Requires="a14">
+        <mc:AlternateContent xmlns:mc="http://schemas.openxmlformats.org/markup-compatibility/2006" xmlns:a14="http://schemas.microsoft.com/office/drawing/2010/main">
+          <mc:Choice Requires="a14">
             <p:sp>
               <p:nvSpPr>
                 <p:cNvPr id="71" name="Rechteck 70"/>
@@ -5220,8 +4920,8 @@
               </p:nvSpPr>
               <p:spPr>
                 <a:xfrm>
-                  <a:off x="4341814" y="1383526"/>
-                  <a:ext cx="1152524" cy="553998"/>
+                  <a:off x="4277851" y="1383526"/>
+                  <a:ext cx="1216487" cy="503517"/>
                 </a:xfrm>
                 <a:prstGeom prst="rect">
                   <a:avLst/>
@@ -5241,31 +4941,25 @@
                       </m:oMathParaPr>
                       <m:oMath xmlns:m="http://schemas.openxmlformats.org/officeDocument/2006/math">
                         <m:r>
-                          <m:rPr>
-                            <m:sty m:val="p"/>
-                          </m:rPr>
-                          <a:rPr lang="de-DE" sz="1000" dirty="0" smtClean="0">
+                          <a:rPr lang="de-DE" sz="2200" i="1" dirty="0" smtClean="0">
                             <a:latin typeface="Cambria Math" panose="02040503050406030204" pitchFamily="18" charset="0"/>
                           </a:rPr>
-                          <m:t>Grid</m:t>
+                          <m:t>𝐺𝑟𝑖𝑑</m:t>
                         </m:r>
                         <m:r>
-                          <a:rPr lang="de-DE" sz="1000" dirty="0" smtClean="0">
+                          <a:rPr lang="de-DE" sz="2200" i="1" dirty="0" smtClean="0">
                             <a:latin typeface="Cambria Math" panose="02040503050406030204" pitchFamily="18" charset="0"/>
                           </a:rPr>
                           <m:t> </m:t>
                         </m:r>
                         <m:r>
-                          <m:rPr>
-                            <m:sty m:val="p"/>
-                          </m:rPr>
-                          <a:rPr lang="de-DE" sz="1000" dirty="0" smtClean="0">
+                          <a:rPr lang="de-DE" sz="2200" i="1" dirty="0" smtClean="0">
                             <a:latin typeface="Cambria Math" panose="02040503050406030204" pitchFamily="18" charset="0"/>
                           </a:rPr>
-                          <m:t>Connection</m:t>
+                          <m:t>𝐶𝑜𝑛𝑛𝑒𝑐𝑡𝑖𝑜𝑛</m:t>
                         </m:r>
                         <m:r>
-                          <a:rPr lang="de-DE" sz="1000" dirty="0" smtClean="0">
+                          <a:rPr lang="de-DE" sz="2200" i="1" dirty="0" smtClean="0">
                             <a:latin typeface="Cambria Math" panose="02040503050406030204" pitchFamily="18" charset="0"/>
                           </a:rPr>
                           <m:t>:</m:t>
@@ -5273,42 +4967,9 @@
                       </m:oMath>
                     </m:oMathPara>
                   </a14:m>
-                  <a:endParaRPr lang="de-DE" sz="1000" dirty="0"/>
-                </a:p>
-                <a:p>
-                  <a:pPr marL="195263" indent="-104775">
-                    <a:buFontTx/>
-                    <a:buChar char="-"/>
-                  </a:pPr>
-                  <a14:m>
-                    <m:oMath xmlns:m="http://schemas.openxmlformats.org/officeDocument/2006/math">
-                      <m:r>
-                        <m:rPr>
-                          <m:sty m:val="p"/>
-                        </m:rPr>
-                        <a:rPr lang="de-DE" sz="1000" b="0" i="0" dirty="0" smtClean="0">
-                          <a:latin typeface="Cambria Math" panose="02040503050406030204" pitchFamily="18" charset="0"/>
-                        </a:rPr>
-                        <m:t>v</m:t>
-                      </m:r>
-                      <m:r>
-                        <a:rPr lang="de-DE" sz="1000" dirty="0">
-                          <a:latin typeface="Cambria Math" panose="02040503050406030204" pitchFamily="18" charset="0"/>
-                        </a:rPr>
-                        <m:t> = 1.02 </m:t>
-                      </m:r>
-                      <m:r>
-                        <m:rPr>
-                          <m:sty m:val="p"/>
-                        </m:rPr>
-                        <a:rPr lang="de-DE" sz="1000" dirty="0">
-                          <a:latin typeface="Cambria Math" panose="02040503050406030204" pitchFamily="18" charset="0"/>
-                        </a:rPr>
-                        <m:t>pu</m:t>
-                      </m:r>
-                    </m:oMath>
-                  </a14:m>
-                  <a:endParaRPr lang="de-DE" sz="1000" dirty="0"/>
+                  <a:endParaRPr lang="de-DE" sz="2200" i="1" dirty="0">
+                    <a:latin typeface="+mj-lt"/>
+                  </a:endParaRPr>
                 </a:p>
                 <a:p>
                   <a:pPr marL="195263" indent="-104775">
@@ -5320,7 +4981,7 @@
                       <m:sSub>
                         <m:sSubPr>
                           <m:ctrlPr>
-                            <a:rPr lang="de-DE" sz="1000" i="1" dirty="0">
+                            <a:rPr lang="de-DE" sz="2200" b="0" i="1" dirty="0" smtClean="0">
                               <a:latin typeface="Cambria Math" panose="02040503050406030204" pitchFamily="18" charset="0"/>
                             </a:rPr>
                           </m:ctrlPr>
@@ -5330,10 +4991,10 @@
                             <m:rPr>
                               <m:sty m:val="p"/>
                             </m:rPr>
-                            <a:rPr lang="de-DE" sz="1000" b="0" i="0" dirty="0" smtClean="0">
+                            <a:rPr lang="de-DE" sz="2200" b="0" i="0" dirty="0" smtClean="0">
                               <a:latin typeface="Cambria Math" panose="02040503050406030204" pitchFamily="18" charset="0"/>
                             </a:rPr>
-                            <m:t>V</m:t>
+                            <m:t>v</m:t>
                           </m:r>
                         </m:e>
                         <m:sub>
@@ -5341,36 +5002,94 @@
                             <m:rPr>
                               <m:sty m:val="p"/>
                             </m:rPr>
-                            <a:rPr lang="de-DE" sz="1000" b="0" i="0" dirty="0" smtClean="0">
+                            <a:rPr lang="de-DE" sz="2200" b="0" i="0" dirty="0" smtClean="0">
                               <a:latin typeface="Cambria Math" panose="02040503050406030204" pitchFamily="18" charset="0"/>
                             </a:rPr>
-                            <m:t>N</m:t>
+                            <m:t>m</m:t>
                           </m:r>
                         </m:sub>
                       </m:sSub>
                       <m:r>
-                        <a:rPr lang="de-DE" sz="1000" dirty="0">
+                        <a:rPr lang="de-DE" sz="2200" dirty="0">
                           <a:latin typeface="Cambria Math" panose="02040503050406030204" pitchFamily="18" charset="0"/>
                         </a:rPr>
-                        <m:t>= 400 </m:t>
+                        <m:t> = 1.02 </m:t>
                       </m:r>
                       <m:r>
                         <m:rPr>
                           <m:sty m:val="p"/>
                         </m:rPr>
-                        <a:rPr lang="de-DE" sz="1000" dirty="0">
+                        <a:rPr lang="de-DE" sz="2200" dirty="0">
                           <a:latin typeface="Cambria Math" panose="02040503050406030204" pitchFamily="18" charset="0"/>
                         </a:rPr>
-                        <m:t>V</m:t>
+                        <m:t>pu</m:t>
                       </m:r>
                     </m:oMath>
                   </a14:m>
-                  <a:endParaRPr lang="de-DE" sz="1000" dirty="0"/>
+                  <a:endParaRPr lang="de-DE" sz="2200" dirty="0">
+                    <a:latin typeface="+mj-lt"/>
+                  </a:endParaRPr>
+                </a:p>
+                <a:p>
+                  <a:pPr marL="195263" indent="-104775">
+                    <a:buFontTx/>
+                    <a:buChar char="-"/>
+                  </a:pPr>
+                  <a14:m>
+                    <m:oMath xmlns:m="http://schemas.openxmlformats.org/officeDocument/2006/math">
+                      <m:sSub>
+                        <m:sSubPr>
+                          <m:ctrlPr>
+                            <a:rPr lang="de-DE" sz="2200" i="1" dirty="0" smtClean="0">
+                              <a:latin typeface="Cambria Math" panose="02040503050406030204" pitchFamily="18" charset="0"/>
+                            </a:rPr>
+                          </m:ctrlPr>
+                        </m:sSubPr>
+                        <m:e>
+                          <m:r>
+                            <m:rPr>
+                              <m:sty m:val="p"/>
+                            </m:rPr>
+                            <a:rPr lang="de-DE" sz="2200" b="0" i="0" dirty="0" smtClean="0">
+                              <a:latin typeface="Cambria Math" panose="02040503050406030204" pitchFamily="18" charset="0"/>
+                            </a:rPr>
+                            <m:t>v</m:t>
+                          </m:r>
+                        </m:e>
+                        <m:sub>
+                          <m:r>
+                            <m:rPr>
+                              <m:sty m:val="p"/>
+                            </m:rPr>
+                            <a:rPr lang="de-DE" sz="2200" b="0" i="0" dirty="0" smtClean="0">
+                              <a:latin typeface="Cambria Math" panose="02040503050406030204" pitchFamily="18" charset="0"/>
+                            </a:rPr>
+                            <m:t>a</m:t>
+                          </m:r>
+                        </m:sub>
+                      </m:sSub>
+                      <m:r>
+                        <a:rPr lang="de-DE" sz="2200" dirty="0">
+                          <a:latin typeface="Cambria Math" panose="02040503050406030204" pitchFamily="18" charset="0"/>
+                        </a:rPr>
+                        <m:t>=</m:t>
+                      </m:r>
+                      <m:r>
+                        <a:rPr lang="de-DE" sz="2200" b="0" i="0" dirty="0" smtClean="0">
+                          <a:latin typeface="Cambria Math" panose="02040503050406030204" pitchFamily="18" charset="0"/>
+                        </a:rPr>
+                        <m:t>0°</m:t>
+                      </m:r>
+                    </m:oMath>
+                  </a14:m>
+                  <a:endParaRPr lang="de-DE" sz="2200" dirty="0">
+                    <a:latin typeface="+mj-lt"/>
+                  </a:endParaRPr>
                 </a:p>
               </p:txBody>
             </p:sp>
           </mc:Choice>
-          <mc:Fallback>
+          <mc:Fallback xmlns="">
             <p:sp>
               <p:nvSpPr>
                 <p:cNvPr id="71" name="Rechteck 70"/>
@@ -5381,8 +5100,8 @@
               </p:nvSpPr>
               <p:spPr>
                 <a:xfrm>
-                  <a:off x="4341814" y="1383526"/>
-                  <a:ext cx="1152524" cy="553998"/>
+                  <a:off x="4277851" y="1383526"/>
+                  <a:ext cx="1216487" cy="503517"/>
                 </a:xfrm>
                 <a:prstGeom prst="rect">
                   <a:avLst/>
@@ -5390,7 +5109,7 @@
                 <a:blipFill rotWithShape="0">
                   <a:blip r:embed="rId5"/>
                   <a:stretch>
-                    <a:fillRect b="-4396"/>
+                    <a:fillRect l="-227" b="-11050"/>
                   </a:stretch>
                 </a:blipFill>
               </p:spPr>
@@ -5410,6 +5129,578 @@
           </mc:Fallback>
         </mc:AlternateContent>
       </p:grpSp>
+      <mc:AlternateContent xmlns:mc="http://schemas.openxmlformats.org/markup-compatibility/2006">
+        <mc:Choice xmlns:a14="http://schemas.microsoft.com/office/drawing/2010/main" Requires="a14">
+          <p:sp>
+            <p:nvSpPr>
+              <p:cNvPr id="3" name="Rechteck 2"/>
+              <p:cNvSpPr/>
+              <p:nvPr/>
+            </p:nvSpPr>
+            <p:spPr>
+              <a:xfrm>
+                <a:off x="799150" y="1883421"/>
+                <a:ext cx="3736491" cy="2462213"/>
+              </a:xfrm>
+              <a:prstGeom prst="rect">
+                <a:avLst/>
+              </a:prstGeom>
+            </p:spPr>
+            <p:txBody>
+              <a:bodyPr wrap="square">
+                <a:spAutoFit/>
+              </a:bodyPr>
+              <a:lstStyle/>
+              <a:p>
+                <a:pPr lvl="0"/>
+                <a14:m>
+                  <m:oMath xmlns:m="http://schemas.openxmlformats.org/officeDocument/2006/math">
+                    <m:r>
+                      <a:rPr lang="de-DE" sz="2200" i="1" dirty="0">
+                        <a:solidFill>
+                          <a:prstClr val="black"/>
+                        </a:solidFill>
+                        <a:latin typeface="Cambria Math" panose="02040503050406030204" pitchFamily="18" charset="0"/>
+                      </a:rPr>
+                      <m:t>𝐿𝑖𝑛𝑒</m:t>
+                    </m:r>
+                  </m:oMath>
+                </a14:m>
+                <a:r>
+                  <a:rPr lang="de-DE" sz="2200" i="1" dirty="0">
+                    <a:solidFill>
+                      <a:prstClr val="black"/>
+                    </a:solidFill>
+                    <a:latin typeface="Calibri Light" panose="020F0302020204030204"/>
+                  </a:rPr>
+                  <a:t>:</a:t>
+                </a:r>
+              </a:p>
+              <a:p>
+                <a:pPr marL="171450" lvl="0" indent="-80963">
+                  <a:buFontTx/>
+                  <a:buChar char="-"/>
+                </a:pPr>
+                <a14:m>
+                  <m:oMath xmlns:m="http://schemas.openxmlformats.org/officeDocument/2006/math">
+                    <m:r>
+                      <m:rPr>
+                        <m:sty m:val="p"/>
+                      </m:rPr>
+                      <a:rPr lang="de-DE" sz="2200" dirty="0">
+                        <a:solidFill>
+                          <a:prstClr val="black"/>
+                        </a:solidFill>
+                        <a:latin typeface="Cambria Math" panose="02040503050406030204" pitchFamily="18" charset="0"/>
+                      </a:rPr>
+                      <m:t>l</m:t>
+                    </m:r>
+                    <m:r>
+                      <a:rPr lang="de-DE" sz="2200" dirty="0">
+                        <a:solidFill>
+                          <a:prstClr val="black"/>
+                        </a:solidFill>
+                        <a:latin typeface="Cambria Math" panose="02040503050406030204" pitchFamily="18" charset="0"/>
+                      </a:rPr>
+                      <m:t>=100 </m:t>
+                    </m:r>
+                    <m:r>
+                      <m:rPr>
+                        <m:sty m:val="p"/>
+                      </m:rPr>
+                      <a:rPr lang="de-DE" sz="2200" dirty="0">
+                        <a:solidFill>
+                          <a:prstClr val="black"/>
+                        </a:solidFill>
+                        <a:latin typeface="Cambria Math" panose="02040503050406030204" pitchFamily="18" charset="0"/>
+                      </a:rPr>
+                      <m:t>m</m:t>
+                    </m:r>
+                  </m:oMath>
+                </a14:m>
+                <a:endParaRPr lang="de-DE" sz="2200" dirty="0">
+                  <a:solidFill>
+                    <a:prstClr val="black"/>
+                  </a:solidFill>
+                  <a:latin typeface="Calibri Light" panose="020F0302020204030204"/>
+                </a:endParaRPr>
+              </a:p>
+              <a:p>
+                <a:pPr marL="171450" lvl="0" indent="-80963">
+                  <a:buFontTx/>
+                  <a:buChar char="-"/>
+                </a:pPr>
+                <a14:m>
+                  <m:oMath xmlns:m="http://schemas.openxmlformats.org/officeDocument/2006/math">
+                    <m:r>
+                      <m:rPr>
+                        <m:sty m:val="p"/>
+                      </m:rPr>
+                      <a:rPr lang="de-DE" sz="2200" dirty="0">
+                        <a:solidFill>
+                          <a:prstClr val="black"/>
+                        </a:solidFill>
+                        <a:latin typeface="Cambria Math" panose="02040503050406030204" pitchFamily="18" charset="0"/>
+                      </a:rPr>
+                      <m:t>type</m:t>
+                    </m:r>
+                    <m:r>
+                      <a:rPr lang="de-DE" sz="2200" dirty="0">
+                        <a:solidFill>
+                          <a:prstClr val="black"/>
+                        </a:solidFill>
+                        <a:latin typeface="Cambria Math" panose="02040503050406030204" pitchFamily="18" charset="0"/>
+                      </a:rPr>
+                      <m:t>: </m:t>
+                    </m:r>
+                    <m:r>
+                      <m:rPr>
+                        <m:sty m:val="p"/>
+                      </m:rPr>
+                      <a:rPr lang="de-DE" sz="2200" dirty="0">
+                        <a:solidFill>
+                          <a:prstClr val="black"/>
+                        </a:solidFill>
+                        <a:latin typeface="Cambria Math" panose="02040503050406030204" pitchFamily="18" charset="0"/>
+                      </a:rPr>
+                      <m:t>NAYY</m:t>
+                    </m:r>
+                    <m:r>
+                      <a:rPr lang="de-DE" sz="2200" dirty="0">
+                        <a:solidFill>
+                          <a:prstClr val="black"/>
+                        </a:solidFill>
+                        <a:latin typeface="Cambria Math" panose="02040503050406030204" pitchFamily="18" charset="0"/>
+                      </a:rPr>
+                      <m:t> 4</m:t>
+                    </m:r>
+                    <m:r>
+                      <m:rPr>
+                        <m:sty m:val="p"/>
+                      </m:rPr>
+                      <a:rPr lang="de-DE" sz="2200" dirty="0">
+                        <a:solidFill>
+                          <a:prstClr val="black"/>
+                        </a:solidFill>
+                        <a:latin typeface="Cambria Math" panose="02040503050406030204" pitchFamily="18" charset="0"/>
+                      </a:rPr>
+                      <m:t>x</m:t>
+                    </m:r>
+                    <m:r>
+                      <a:rPr lang="de-DE" sz="2200" dirty="0">
+                        <a:solidFill>
+                          <a:prstClr val="black"/>
+                        </a:solidFill>
+                        <a:latin typeface="Cambria Math" panose="02040503050406030204" pitchFamily="18" charset="0"/>
+                      </a:rPr>
+                      <m:t>50 </m:t>
+                    </m:r>
+                    <m:r>
+                      <m:rPr>
+                        <m:sty m:val="p"/>
+                      </m:rPr>
+                      <a:rPr lang="de-DE" sz="2200" dirty="0">
+                        <a:solidFill>
+                          <a:prstClr val="black"/>
+                        </a:solidFill>
+                        <a:latin typeface="Cambria Math" panose="02040503050406030204" pitchFamily="18" charset="0"/>
+                      </a:rPr>
+                      <m:t>SE</m:t>
+                    </m:r>
+                  </m:oMath>
+                </a14:m>
+                <a:endParaRPr lang="de-DE" sz="2200" dirty="0">
+                  <a:solidFill>
+                    <a:prstClr val="black"/>
+                  </a:solidFill>
+                  <a:latin typeface="Calibri Light" panose="020F0302020204030204"/>
+                </a:endParaRPr>
+              </a:p>
+              <a:p>
+                <a:pPr marL="357188" lvl="0" indent="-90488">
+                  <a:buFontTx/>
+                  <a:buChar char="-"/>
+                </a:pPr>
+                <a14:m>
+                  <m:oMath xmlns:m="http://schemas.openxmlformats.org/officeDocument/2006/math">
+                    <m:sSup>
+                      <m:sSupPr>
+                        <m:ctrlPr>
+                          <a:rPr lang="de-DE" sz="2200" i="1">
+                            <a:solidFill>
+                              <a:prstClr val="black"/>
+                            </a:solidFill>
+                            <a:latin typeface="Cambria Math" panose="02040503050406030204" pitchFamily="18" charset="0"/>
+                          </a:rPr>
+                        </m:ctrlPr>
+                      </m:sSupPr>
+                      <m:e>
+                        <m:r>
+                          <m:rPr>
+                            <m:sty m:val="p"/>
+                          </m:rPr>
+                          <a:rPr lang="de-DE" sz="2200">
+                            <a:solidFill>
+                              <a:prstClr val="black"/>
+                            </a:solidFill>
+                            <a:latin typeface="Cambria Math" panose="02040503050406030204" pitchFamily="18" charset="0"/>
+                          </a:rPr>
+                          <m:t>r</m:t>
+                        </m:r>
+                      </m:e>
+                      <m:sup>
+                        <m:r>
+                          <a:rPr lang="de-DE" sz="2200">
+                            <a:solidFill>
+                              <a:prstClr val="black"/>
+                            </a:solidFill>
+                            <a:latin typeface="Cambria Math" panose="02040503050406030204" pitchFamily="18" charset="0"/>
+                          </a:rPr>
+                          <m:t>′</m:t>
+                        </m:r>
+                      </m:sup>
+                    </m:sSup>
+                    <m:r>
+                      <a:rPr lang="de-DE" sz="2200">
+                        <a:solidFill>
+                          <a:prstClr val="black"/>
+                        </a:solidFill>
+                        <a:latin typeface="Cambria Math" panose="02040503050406030204" pitchFamily="18" charset="0"/>
+                      </a:rPr>
+                      <m:t>=0.642 </m:t>
+                    </m:r>
+                    <m:r>
+                      <m:rPr>
+                        <m:sty m:val="p"/>
+                      </m:rPr>
+                      <a:rPr lang="el-GR" sz="2200">
+                        <a:solidFill>
+                          <a:prstClr val="black"/>
+                        </a:solidFill>
+                        <a:latin typeface="Cambria Math" panose="02040503050406030204" pitchFamily="18" charset="0"/>
+                        <a:ea typeface="Cambria Math" panose="02040503050406030204" pitchFamily="18" charset="0"/>
+                      </a:rPr>
+                      <m:t>Ω</m:t>
+                    </m:r>
+                    <m:r>
+                      <a:rPr lang="de-DE" sz="2200">
+                        <a:solidFill>
+                          <a:prstClr val="black"/>
+                        </a:solidFill>
+                        <a:latin typeface="Cambria Math" panose="02040503050406030204" pitchFamily="18" charset="0"/>
+                        <a:ea typeface="Cambria Math" panose="02040503050406030204" pitchFamily="18" charset="0"/>
+                      </a:rPr>
+                      <m:t>/</m:t>
+                    </m:r>
+                    <m:r>
+                      <m:rPr>
+                        <m:sty m:val="p"/>
+                      </m:rPr>
+                      <a:rPr lang="de-DE" sz="2200">
+                        <a:solidFill>
+                          <a:prstClr val="black"/>
+                        </a:solidFill>
+                        <a:latin typeface="Cambria Math" panose="02040503050406030204" pitchFamily="18" charset="0"/>
+                        <a:ea typeface="Cambria Math" panose="02040503050406030204" pitchFamily="18" charset="0"/>
+                      </a:rPr>
+                      <m:t>km</m:t>
+                    </m:r>
+                  </m:oMath>
+                </a14:m>
+                <a:endParaRPr lang="de-DE" sz="2200" dirty="0">
+                  <a:solidFill>
+                    <a:prstClr val="black"/>
+                  </a:solidFill>
+                  <a:latin typeface="Calibri Light" panose="020F0302020204030204"/>
+                </a:endParaRPr>
+              </a:p>
+              <a:p>
+                <a:pPr marL="357188" lvl="0" indent="-90488">
+                  <a:buFontTx/>
+                  <a:buChar char="-"/>
+                </a:pPr>
+                <a14:m>
+                  <m:oMath xmlns:m="http://schemas.openxmlformats.org/officeDocument/2006/math">
+                    <m:r>
+                      <m:rPr>
+                        <m:sty m:val="p"/>
+                      </m:rPr>
+                      <a:rPr lang="de-DE" sz="2200">
+                        <a:solidFill>
+                          <a:prstClr val="black"/>
+                        </a:solidFill>
+                        <a:latin typeface="Cambria Math" panose="02040503050406030204" pitchFamily="18" charset="0"/>
+                      </a:rPr>
+                      <m:t>x</m:t>
+                    </m:r>
+                    <m:r>
+                      <a:rPr lang="de-DE" sz="2200">
+                        <a:solidFill>
+                          <a:prstClr val="black"/>
+                        </a:solidFill>
+                        <a:latin typeface="Cambria Math" panose="02040503050406030204" pitchFamily="18" charset="0"/>
+                      </a:rPr>
+                      <m:t>′=0.083 </m:t>
+                    </m:r>
+                    <m:r>
+                      <m:rPr>
+                        <m:sty m:val="p"/>
+                      </m:rPr>
+                      <a:rPr lang="el-GR" sz="2200">
+                        <a:solidFill>
+                          <a:prstClr val="black"/>
+                        </a:solidFill>
+                        <a:latin typeface="Cambria Math" panose="02040503050406030204" pitchFamily="18" charset="0"/>
+                        <a:ea typeface="Cambria Math" panose="02040503050406030204" pitchFamily="18" charset="0"/>
+                      </a:rPr>
+                      <m:t>Ω</m:t>
+                    </m:r>
+                    <m:r>
+                      <a:rPr lang="de-DE" sz="2200">
+                        <a:solidFill>
+                          <a:prstClr val="black"/>
+                        </a:solidFill>
+                        <a:latin typeface="Cambria Math" panose="02040503050406030204" pitchFamily="18" charset="0"/>
+                        <a:ea typeface="Cambria Math" panose="02040503050406030204" pitchFamily="18" charset="0"/>
+                      </a:rPr>
+                      <m:t>/</m:t>
+                    </m:r>
+                    <m:r>
+                      <m:rPr>
+                        <m:sty m:val="p"/>
+                      </m:rPr>
+                      <a:rPr lang="de-DE" sz="2200">
+                        <a:solidFill>
+                          <a:prstClr val="black"/>
+                        </a:solidFill>
+                        <a:latin typeface="Cambria Math" panose="02040503050406030204" pitchFamily="18" charset="0"/>
+                        <a:ea typeface="Cambria Math" panose="02040503050406030204" pitchFamily="18" charset="0"/>
+                      </a:rPr>
+                      <m:t>km</m:t>
+                    </m:r>
+                  </m:oMath>
+                </a14:m>
+                <a:endParaRPr lang="de-DE" sz="2200" dirty="0">
+                  <a:solidFill>
+                    <a:prstClr val="black"/>
+                  </a:solidFill>
+                  <a:latin typeface="Calibri Light" panose="020F0302020204030204"/>
+                </a:endParaRPr>
+              </a:p>
+              <a:p>
+                <a:pPr marL="357188" lvl="0" indent="-90488">
+                  <a:buFontTx/>
+                  <a:buChar char="-"/>
+                </a:pPr>
+                <a14:m>
+                  <m:oMath xmlns:m="http://schemas.openxmlformats.org/officeDocument/2006/math">
+                    <m:sSup>
+                      <m:sSupPr>
+                        <m:ctrlPr>
+                          <a:rPr lang="de-DE" sz="2200" i="1">
+                            <a:solidFill>
+                              <a:prstClr val="black"/>
+                            </a:solidFill>
+                            <a:latin typeface="Cambria Math" panose="02040503050406030204" pitchFamily="18" charset="0"/>
+                          </a:rPr>
+                        </m:ctrlPr>
+                      </m:sSupPr>
+                      <m:e>
+                        <m:r>
+                          <m:rPr>
+                            <m:sty m:val="p"/>
+                          </m:rPr>
+                          <a:rPr lang="de-DE" sz="2200">
+                            <a:solidFill>
+                              <a:prstClr val="black"/>
+                            </a:solidFill>
+                            <a:latin typeface="Cambria Math" panose="02040503050406030204" pitchFamily="18" charset="0"/>
+                          </a:rPr>
+                          <m:t>c</m:t>
+                        </m:r>
+                      </m:e>
+                      <m:sup>
+                        <m:r>
+                          <a:rPr lang="de-DE" sz="2200">
+                            <a:solidFill>
+                              <a:prstClr val="black"/>
+                            </a:solidFill>
+                            <a:latin typeface="Cambria Math" panose="02040503050406030204" pitchFamily="18" charset="0"/>
+                          </a:rPr>
+                          <m:t>′</m:t>
+                        </m:r>
+                      </m:sup>
+                    </m:sSup>
+                    <m:r>
+                      <a:rPr lang="de-DE" sz="2200">
+                        <a:solidFill>
+                          <a:prstClr val="black"/>
+                        </a:solidFill>
+                        <a:latin typeface="Cambria Math" panose="02040503050406030204" pitchFamily="18" charset="0"/>
+                      </a:rPr>
+                      <m:t>=210 </m:t>
+                    </m:r>
+                    <m:r>
+                      <m:rPr>
+                        <m:sty m:val="p"/>
+                      </m:rPr>
+                      <a:rPr lang="de-DE" sz="2200">
+                        <a:solidFill>
+                          <a:prstClr val="black"/>
+                        </a:solidFill>
+                        <a:latin typeface="Cambria Math" panose="02040503050406030204" pitchFamily="18" charset="0"/>
+                      </a:rPr>
+                      <m:t>nF</m:t>
+                    </m:r>
+                    <m:r>
+                      <a:rPr lang="de-DE" sz="2200">
+                        <a:solidFill>
+                          <a:prstClr val="black"/>
+                        </a:solidFill>
+                        <a:latin typeface="Cambria Math" panose="02040503050406030204" pitchFamily="18" charset="0"/>
+                      </a:rPr>
+                      <m:t>/</m:t>
+                    </m:r>
+                    <m:r>
+                      <m:rPr>
+                        <m:sty m:val="p"/>
+                      </m:rPr>
+                      <a:rPr lang="de-DE" sz="2200">
+                        <a:solidFill>
+                          <a:prstClr val="black"/>
+                        </a:solidFill>
+                        <a:latin typeface="Cambria Math" panose="02040503050406030204" pitchFamily="18" charset="0"/>
+                      </a:rPr>
+                      <m:t>km</m:t>
+                    </m:r>
+                  </m:oMath>
+                </a14:m>
+                <a:endParaRPr lang="de-DE" sz="2200" dirty="0">
+                  <a:solidFill>
+                    <a:prstClr val="black"/>
+                  </a:solidFill>
+                  <a:latin typeface="Calibri Light" panose="020F0302020204030204"/>
+                </a:endParaRPr>
+              </a:p>
+              <a:p>
+                <a:pPr marL="357188" lvl="0" indent="-90488">
+                  <a:buFontTx/>
+                  <a:buChar char="-"/>
+                </a:pPr>
+                <a14:m>
+                  <m:oMath xmlns:m="http://schemas.openxmlformats.org/officeDocument/2006/math">
+                    <m:sSub>
+                      <m:sSubPr>
+                        <m:ctrlPr>
+                          <a:rPr lang="de-DE" sz="2200" i="1">
+                            <a:solidFill>
+                              <a:prstClr val="black"/>
+                            </a:solidFill>
+                            <a:latin typeface="Cambria Math" panose="02040503050406030204" pitchFamily="18" charset="0"/>
+                          </a:rPr>
+                        </m:ctrlPr>
+                      </m:sSubPr>
+                      <m:e>
+                        <m:r>
+                          <m:rPr>
+                            <m:sty m:val="p"/>
+                          </m:rPr>
+                          <a:rPr lang="de-DE" sz="2200">
+                            <a:solidFill>
+                              <a:prstClr val="black"/>
+                            </a:solidFill>
+                            <a:latin typeface="Cambria Math" panose="02040503050406030204" pitchFamily="18" charset="0"/>
+                          </a:rPr>
+                          <m:t>i</m:t>
+                        </m:r>
+                      </m:e>
+                      <m:sub>
+                        <m:r>
+                          <m:rPr>
+                            <m:sty m:val="p"/>
+                          </m:rPr>
+                          <a:rPr lang="de-DE" sz="2200">
+                            <a:solidFill>
+                              <a:prstClr val="black"/>
+                            </a:solidFill>
+                            <a:latin typeface="Cambria Math" panose="02040503050406030204" pitchFamily="18" charset="0"/>
+                          </a:rPr>
+                          <m:t>max</m:t>
+                        </m:r>
+                      </m:sub>
+                    </m:sSub>
+                    <m:r>
+                      <a:rPr lang="de-DE" sz="2200">
+                        <a:solidFill>
+                          <a:prstClr val="black"/>
+                        </a:solidFill>
+                        <a:latin typeface="Cambria Math" panose="02040503050406030204" pitchFamily="18" charset="0"/>
+                      </a:rPr>
+                      <m:t>=142 </m:t>
+                    </m:r>
+                    <m:r>
+                      <m:rPr>
+                        <m:sty m:val="p"/>
+                      </m:rPr>
+                      <a:rPr lang="de-DE" sz="2200">
+                        <a:solidFill>
+                          <a:prstClr val="black"/>
+                        </a:solidFill>
+                        <a:latin typeface="Cambria Math" panose="02040503050406030204" pitchFamily="18" charset="0"/>
+                      </a:rPr>
+                      <m:t>A</m:t>
+                    </m:r>
+                  </m:oMath>
+                </a14:m>
+                <a:endParaRPr lang="de-DE" sz="2200" dirty="0">
+                  <a:solidFill>
+                    <a:prstClr val="black"/>
+                  </a:solidFill>
+                  <a:latin typeface="Calibri Light" panose="020F0302020204030204"/>
+                </a:endParaRPr>
+              </a:p>
+            </p:txBody>
+          </p:sp>
+        </mc:Choice>
+        <mc:Fallback>
+          <p:sp>
+            <p:nvSpPr>
+              <p:cNvPr id="3" name="Rechteck 2"/>
+              <p:cNvSpPr>
+                <a:spLocks noRot="1" noChangeAspect="1" noMove="1" noResize="1" noEditPoints="1" noAdjustHandles="1" noChangeArrowheads="1" noChangeShapeType="1" noTextEdit="1"/>
+              </p:cNvSpPr>
+              <p:nvPr/>
+            </p:nvSpPr>
+            <p:spPr>
+              <a:xfrm>
+                <a:off x="799150" y="1883421"/>
+                <a:ext cx="3736491" cy="2462213"/>
+              </a:xfrm>
+              <a:prstGeom prst="rect">
+                <a:avLst/>
+              </a:prstGeom>
+              <a:blipFill rotWithShape="0">
+                <a:blip r:embed="rId6"/>
+                <a:stretch>
+                  <a:fillRect l="-163" t="-1733" b="-3465"/>
+                </a:stretch>
+              </a:blipFill>
+            </p:spPr>
+            <p:txBody>
+              <a:bodyPr/>
+              <a:lstStyle/>
+              <a:p>
+                <a:r>
+                  <a:rPr lang="de-DE">
+                    <a:noFill/>
+                  </a:rPr>
+                  <a:t> </a:t>
+                </a:r>
+              </a:p>
+            </p:txBody>
+          </p:sp>
+        </mc:Fallback>
+      </mc:AlternateContent>
     </p:spTree>
     <p:extLst>
       <p:ext uri="{BB962C8B-B14F-4D97-AF65-F5344CB8AC3E}">
